--- a/Algorithm/_____保研岛____Python蓝桥杯/蓝桥杯Python冲刺课_课时10 数论基础 & 日期问题/Python 课时10.pptx
+++ b/Algorithm/_____保研岛____Python蓝桥杯/蓝桥杯Python冲刺课_课时10 数论基础 & 日期问题/Python 课时10.pptx
@@ -360,7 +360,7 @@
           <a:p>
             <a:fld id="{B7268E1E-0E44-426D-905E-8AD9B19D2182}" type="datetimeFigureOut">
               <a:rPr lang="cs-CZ" smtClean="0"/>
-              <a:t>18.03.2025</a:t>
+              <a:t>21.03.2025</a:t>
             </a:fld>
             <a:endParaRPr lang="cs-CZ"/>
           </a:p>
@@ -24069,37 +24069,7 @@
                 <a:cs typeface="Noto Sans SC"/>
                 <a:sym typeface="Noto Sans SC"/>
               </a:rPr>
-              <a:t>数论入门</a:t>
-            </a:r>
-            <a:r>
-              <a:rPr lang="en-US" altLang="zh-CN" sz="3200" dirty="0">
-                <a:hlinkClick r:id="rId3"/>
-              </a:rPr>
-              <a:t>1.</a:t>
-            </a:r>
-            <a:r>
-              <a:rPr lang="zh-CN" altLang="en-US" sz="3200" dirty="0">
-                <a:hlinkClick r:id="rId3"/>
-              </a:rPr>
-              <a:t>质因数个数 </a:t>
-            </a:r>
-            <a:r>
-              <a:rPr lang="en-US" altLang="zh-CN" sz="3200" dirty="0">
-                <a:hlinkClick r:id="rId3"/>
-              </a:rPr>
-              <a:t>- </a:t>
-            </a:r>
-            <a:r>
-              <a:rPr lang="zh-CN" altLang="en-US" sz="3200" dirty="0">
-                <a:hlinkClick r:id="rId3"/>
-              </a:rPr>
-              <a:t>蓝桥云课 </a:t>
-            </a:r>
-            <a:r>
-              <a:rPr lang="en-US" altLang="zh-CN" sz="3200" dirty="0">
-                <a:hlinkClick r:id="rId3"/>
-              </a:rPr>
-              <a:t>(lanqiao.cn)</a:t>
+              <a:t>课程总结</a:t>
             </a:r>
             <a:endParaRPr lang="en-US" altLang="zh-CN" sz="2400" b="1" dirty="0">
               <a:solidFill>
@@ -24113,36 +24083,238 @@
           </a:p>
         </p:txBody>
       </p:sp>
-      <p:pic>
-        <p:nvPicPr>
-          <p:cNvPr id="4" name="图片 3">
+      <p:sp>
+        <p:nvSpPr>
+          <p:cNvPr id="3" name="文本框 2">
             <a:extLst>
               <a:ext uri="{FF2B5EF4-FFF2-40B4-BE49-F238E27FC236}">
-                <a16:creationId xmlns:a16="http://schemas.microsoft.com/office/drawing/2014/main" id="{9D286C77-D176-379A-C200-D8C8C30F698B}"/>
+                <a16:creationId xmlns:a16="http://schemas.microsoft.com/office/drawing/2014/main" id="{7D7E13D2-08F5-9553-D4E1-B92E8BB71D1A}"/>
               </a:ext>
             </a:extLst>
           </p:cNvPr>
-          <p:cNvPicPr>
-            <a:picLocks noChangeAspect="1"/>
-          </p:cNvPicPr>
+          <p:cNvSpPr txBox="1"/>
           <p:nvPr/>
-        </p:nvPicPr>
-        <p:blipFill>
-          <a:blip r:embed="rId4"/>
-          <a:stretch>
-            <a:fillRect/>
-          </a:stretch>
-        </p:blipFill>
-        <p:spPr>
-          <a:xfrm>
-            <a:off x="2105025" y="904875"/>
-            <a:ext cx="7981950" cy="5543550"/>
-          </a:xfrm>
-          <a:prstGeom prst="rect">
-            <a:avLst/>
-          </a:prstGeom>
-        </p:spPr>
-      </p:pic>
+        </p:nvSpPr>
+        <p:spPr>
+          <a:xfrm>
+            <a:off x="538619" y="1096027"/>
+            <a:ext cx="10960274" cy="3970318"/>
+          </a:xfrm>
+          <a:prstGeom prst="rect">
+            <a:avLst/>
+          </a:prstGeom>
+          <a:noFill/>
+        </p:spPr>
+        <p:txBody>
+          <a:bodyPr wrap="square" rtlCol="0">
+            <a:spAutoFit/>
+          </a:bodyPr>
+          <a:lstStyle/>
+          <a:p>
+            <a:r>
+              <a:rPr lang="zh-CN" altLang="en-US" sz="2800" dirty="0"/>
+              <a:t>省</a:t>
+            </a:r>
+            <a:r>
+              <a:rPr lang="en-US" altLang="zh-CN" sz="2800" dirty="0"/>
+              <a:t>1/</a:t>
+            </a:r>
+            <a:r>
+              <a:rPr lang="zh-CN" altLang="en-US" sz="2800" dirty="0"/>
+              <a:t>国</a:t>
+            </a:r>
+            <a:r>
+              <a:rPr lang="en-US" altLang="zh-CN" sz="2800" dirty="0"/>
+              <a:t>3</a:t>
+            </a:r>
+            <a:r>
+              <a:rPr lang="zh-CN" altLang="en-US" sz="2800" dirty="0"/>
+              <a:t>：递归 </a:t>
+            </a:r>
+            <a:r>
+              <a:rPr lang="en-US" altLang="zh-CN" sz="2800" dirty="0"/>
+              <a:t>&amp; </a:t>
+            </a:r>
+            <a:r>
+              <a:rPr lang="zh-CN" altLang="en-US" sz="2800" dirty="0"/>
+              <a:t>回溯、背包</a:t>
+            </a:r>
+            <a:r>
+              <a:rPr lang="en-US" altLang="zh-CN" sz="2800" dirty="0" err="1"/>
+              <a:t>dp</a:t>
+            </a:r>
+            <a:r>
+              <a:rPr lang="zh-CN" altLang="en-US" sz="2800" dirty="0"/>
+              <a:t>、线性</a:t>
+            </a:r>
+            <a:r>
+              <a:rPr lang="en-US" altLang="zh-CN" sz="2800" dirty="0" err="1"/>
+              <a:t>dp</a:t>
+            </a:r>
+            <a:r>
+              <a:rPr lang="zh-CN" altLang="en-US" sz="2800" dirty="0"/>
+              <a:t>、入门</a:t>
+            </a:r>
+            <a:r>
+              <a:rPr lang="en-US" altLang="zh-CN" sz="2800" dirty="0" err="1"/>
+              <a:t>dp</a:t>
+            </a:r>
+            <a:r>
+              <a:rPr lang="zh-CN" altLang="en-US" sz="2800" dirty="0"/>
+              <a:t>、网格图</a:t>
+            </a:r>
+            <a:r>
+              <a:rPr lang="en-US" altLang="zh-CN" sz="2800" dirty="0" err="1"/>
+              <a:t>dp</a:t>
+            </a:r>
+            <a:r>
+              <a:rPr lang="zh-CN" altLang="en-US" sz="2800" dirty="0"/>
+              <a:t>、记忆化搜索、二分答案、二分查找、网格图</a:t>
+            </a:r>
+            <a:r>
+              <a:rPr lang="en-US" altLang="zh-CN" sz="2800" dirty="0" err="1"/>
+              <a:t>dfs</a:t>
+            </a:r>
+            <a:r>
+              <a:rPr lang="en-US" altLang="zh-CN" sz="2800" dirty="0"/>
+              <a:t>/</a:t>
+            </a:r>
+            <a:r>
+              <a:rPr lang="en-US" altLang="zh-CN" sz="2800" dirty="0" err="1"/>
+              <a:t>bfs</a:t>
+            </a:r>
+            <a:r>
+              <a:rPr lang="zh-CN" altLang="en-US" sz="2800" dirty="0"/>
+              <a:t>问题、双指针、滑动窗口、排序</a:t>
+            </a:r>
+            <a:r>
+              <a:rPr lang="en-US" altLang="zh-CN" sz="2800" dirty="0"/>
+              <a:t>&amp;</a:t>
+            </a:r>
+            <a:r>
+              <a:rPr lang="zh-CN" altLang="en-US" sz="2800" dirty="0"/>
+              <a:t>贪心、前缀 </a:t>
+            </a:r>
+            <a:r>
+              <a:rPr lang="en-US" altLang="zh-CN" sz="2800" dirty="0"/>
+              <a:t>&amp; </a:t>
+            </a:r>
+            <a:r>
+              <a:rPr lang="zh-CN" altLang="en-US" sz="2800" dirty="0"/>
+              <a:t>差分、字符串哈希、欧拉筛、质因数分解、并查集、单调栈 </a:t>
+            </a:r>
+            <a:r>
+              <a:rPr lang="en-US" altLang="zh-CN" sz="2800" dirty="0"/>
+              <a:t>&amp; </a:t>
+            </a:r>
+            <a:r>
+              <a:rPr lang="zh-CN" altLang="en-US" sz="2800" dirty="0"/>
+              <a:t>单调队列、堆、图上</a:t>
+            </a:r>
+            <a:r>
+              <a:rPr lang="en-US" altLang="zh-CN" sz="2800" dirty="0"/>
+              <a:t>DFS/BFS</a:t>
+            </a:r>
+            <a:r>
+              <a:rPr lang="zh-CN" altLang="en-US" sz="2800" dirty="0"/>
+              <a:t>、</a:t>
+            </a:r>
+            <a:r>
+              <a:rPr lang="en-US" altLang="zh-CN" sz="2800" dirty="0"/>
+              <a:t>Dijkstra</a:t>
+            </a:r>
+            <a:r>
+              <a:rPr lang="zh-CN" altLang="en-US" sz="2800" dirty="0"/>
+              <a:t>、</a:t>
+            </a:r>
+            <a:r>
+              <a:rPr lang="en-US" altLang="zh-CN" sz="2800" dirty="0"/>
+              <a:t>Floyd</a:t>
+            </a:r>
+          </a:p>
+          <a:p>
+            <a:endParaRPr lang="en-US" altLang="zh-CN" sz="2800" dirty="0"/>
+          </a:p>
+          <a:p>
+            <a:r>
+              <a:rPr lang="zh-CN" altLang="en-US" sz="2800" dirty="0"/>
+              <a:t>国</a:t>
+            </a:r>
+            <a:r>
+              <a:rPr lang="en-US" altLang="zh-CN" sz="2800" dirty="0"/>
+              <a:t>2</a:t>
+            </a:r>
+            <a:r>
+              <a:rPr lang="zh-CN" altLang="en-US" sz="2800" dirty="0"/>
+              <a:t>：区间</a:t>
+            </a:r>
+            <a:r>
+              <a:rPr lang="en-US" altLang="zh-CN" sz="2800" dirty="0" err="1"/>
+              <a:t>dp</a:t>
+            </a:r>
+            <a:r>
+              <a:rPr lang="zh-CN" altLang="en-US" sz="2800" dirty="0"/>
+              <a:t>、树形</a:t>
+            </a:r>
+            <a:r>
+              <a:rPr lang="en-US" altLang="zh-CN" sz="2800" dirty="0" err="1"/>
+              <a:t>dp</a:t>
+            </a:r>
+            <a:r>
+              <a:rPr lang="zh-CN" altLang="en-US" sz="2800" dirty="0"/>
+              <a:t>、状压</a:t>
+            </a:r>
+            <a:r>
+              <a:rPr lang="en-US" altLang="zh-CN" sz="2800" dirty="0" err="1"/>
+              <a:t>dp</a:t>
+            </a:r>
+            <a:r>
+              <a:rPr lang="zh-CN" altLang="en-US" sz="2800" dirty="0"/>
+              <a:t>、数位</a:t>
+            </a:r>
+            <a:r>
+              <a:rPr lang="en-US" altLang="zh-CN" sz="2800" dirty="0" err="1"/>
+              <a:t>dp</a:t>
+            </a:r>
+            <a:r>
+              <a:rPr lang="zh-CN" altLang="en-US" sz="2800" dirty="0"/>
+              <a:t>、最近公共祖先、字典树</a:t>
+            </a:r>
+            <a:r>
+              <a:rPr lang="en-US" altLang="zh-CN" sz="2800" dirty="0"/>
+              <a:t>Trie</a:t>
+            </a:r>
+            <a:r>
+              <a:rPr lang="zh-CN" altLang="en-US" sz="2800" dirty="0"/>
+              <a:t>树、</a:t>
+            </a:r>
+            <a:r>
+              <a:rPr lang="en-US" altLang="zh-CN" sz="2800" dirty="0"/>
+              <a:t>Z</a:t>
+            </a:r>
+            <a:r>
+              <a:rPr lang="zh-CN" altLang="en-US" sz="2800" dirty="0"/>
+              <a:t>函数、欧拉函数、裴蜀定理、线性同余方程、中国剩余定理、组合数学基础（容斥原理）、树状数组、朴素线段树、</a:t>
+            </a:r>
+            <a:r>
+              <a:rPr lang="en-US" altLang="zh-CN" sz="2800" dirty="0"/>
+              <a:t>ST</a:t>
+            </a:r>
+            <a:r>
+              <a:rPr lang="zh-CN" altLang="en-US" sz="2800" dirty="0"/>
+              <a:t>表、拓扑排序、最小生成树、二分图、倍增 </a:t>
+            </a:r>
+            <a:r>
+              <a:rPr lang="en-US" altLang="zh-CN" sz="2800" dirty="0"/>
+              <a:t>&amp; </a:t>
+            </a:r>
+            <a:r>
+              <a:rPr lang="zh-CN" altLang="en-US" sz="2800" dirty="0"/>
+              <a:t>构造、基环树问题、离散化</a:t>
+            </a:r>
+          </a:p>
+        </p:txBody>
+      </p:sp>
     </p:spTree>
     <p:extLst>
       <p:ext uri="{BB962C8B-B14F-4D97-AF65-F5344CB8AC3E}">
